--- a/Cosmos Deep Dive.pptx
+++ b/Cosmos Deep Dive.pptx
@@ -10,10 +10,11 @@
     <p:sldId id="258" r:id="rId4"/>
     <p:sldId id="259" r:id="rId5"/>
     <p:sldId id="260" r:id="rId6"/>
-    <p:sldId id="264" r:id="rId7"/>
-    <p:sldId id="261" r:id="rId8"/>
-    <p:sldId id="262" r:id="rId9"/>
-    <p:sldId id="263" r:id="rId10"/>
+    <p:sldId id="265" r:id="rId7"/>
+    <p:sldId id="264" r:id="rId8"/>
+    <p:sldId id="261" r:id="rId9"/>
+    <p:sldId id="262" r:id="rId10"/>
+    <p:sldId id="263" r:id="rId11"/>
   </p:sldIdLst>
   <p:sldSz cx="12192000" cy="6858000"/>
   <p:notesSz cx="6858000" cy="9144000"/>
@@ -8913,7 +8914,7 @@
           <a:p>
             <a:fld id="{6AD6EE87-EBD5-4F12-A48A-63ACA297AC8F}" type="datetimeFigureOut">
               <a:rPr lang="en-US" dirty="0"/>
-              <a:t>11/16/2019</a:t>
+              <a:t>11/21/2019</a:t>
             </a:fld>
             <a:endParaRPr lang="en-US" dirty="0"/>
           </a:p>
@@ -9115,7 +9116,7 @@
           <a:p>
             <a:fld id="{4CD73815-2707-4475-8F1A-B873CB631BB4}" type="datetimeFigureOut">
               <a:rPr lang="en-US" dirty="0"/>
-              <a:t>11/16/2019</a:t>
+              <a:t>11/21/2019</a:t>
             </a:fld>
             <a:endParaRPr lang="en-US" dirty="0"/>
           </a:p>
@@ -9290,7 +9291,7 @@
           <a:p>
             <a:fld id="{2A4AFB99-0EAB-4182-AFF8-E214C82A68F6}" type="datetimeFigureOut">
               <a:rPr lang="en-US" dirty="0"/>
-              <a:t>11/16/2019</a:t>
+              <a:t>11/21/2019</a:t>
             </a:fld>
             <a:endParaRPr lang="en-US" dirty="0"/>
           </a:p>
@@ -9490,7 +9491,7 @@
           <a:p>
             <a:fld id="{A5D3794B-289A-4A80-97D7-111025398D45}" type="datetimeFigureOut">
               <a:rPr lang="en-US" dirty="0"/>
-              <a:t>11/16/2019</a:t>
+              <a:t>11/21/2019</a:t>
             </a:fld>
             <a:endParaRPr lang="en-US" dirty="0"/>
           </a:p>
@@ -18383,7 +18384,7 @@
           <a:p>
             <a:fld id="{5A61015F-7CC6-4D0A-9D87-873EA4C304CC}" type="datetimeFigureOut">
               <a:rPr lang="en-US" dirty="0"/>
-              <a:t>11/16/2019</a:t>
+              <a:t>11/21/2019</a:t>
             </a:fld>
             <a:endParaRPr lang="en-US" dirty="0"/>
           </a:p>
@@ -18652,7 +18653,7 @@
           <a:p>
             <a:fld id="{93C6A301-0538-44EC-B09D-202E1042A48B}" type="datetimeFigureOut">
               <a:rPr lang="en-US" dirty="0"/>
-              <a:t>11/16/2019</a:t>
+              <a:t>11/21/2019</a:t>
             </a:fld>
             <a:endParaRPr lang="en-US" dirty="0"/>
           </a:p>
@@ -19045,7 +19046,7 @@
           <a:p>
             <a:fld id="{D789574A-8875-45EF-8EA2-3CAA0F7ABC4C}" type="datetimeFigureOut">
               <a:rPr lang="en-US" dirty="0"/>
-              <a:t>11/16/2019</a:t>
+              <a:t>11/21/2019</a:t>
             </a:fld>
             <a:endParaRPr lang="en-US" dirty="0"/>
           </a:p>
@@ -19158,7 +19159,7 @@
           <a:p>
             <a:fld id="{67EF4D4C-5367-4C26-9E2B-D8088D7FCA81}" type="datetimeFigureOut">
               <a:rPr lang="en-US" dirty="0"/>
-              <a:t>11/16/2019</a:t>
+              <a:t>11/21/2019</a:t>
             </a:fld>
             <a:endParaRPr lang="en-US" dirty="0"/>
           </a:p>
@@ -19248,7 +19249,7 @@
           <a:p>
             <a:fld id="{56E91E96-98B0-4413-9547-46F3504108EF}" type="datetimeFigureOut">
               <a:rPr lang="en-US" dirty="0"/>
-              <a:t>11/16/2019</a:t>
+              <a:t>11/21/2019</a:t>
             </a:fld>
             <a:endParaRPr lang="en-US" dirty="0"/>
           </a:p>
@@ -19533,7 +19534,7 @@
           <a:p>
             <a:fld id="{05C68B11-C5A8-448C-8CE9-B1A273C79CFC}" type="datetimeFigureOut">
               <a:rPr lang="en-US" dirty="0"/>
-              <a:t>11/16/2019</a:t>
+              <a:t>11/21/2019</a:t>
             </a:fld>
             <a:endParaRPr lang="en-US" dirty="0"/>
           </a:p>
@@ -19808,7 +19809,7 @@
           <a:p>
             <a:fld id="{C7616CA0-919D-4A49-9C8A-62FDFB3A5183}" type="datetimeFigureOut">
               <a:rPr lang="en-US" dirty="0"/>
-              <a:t>11/16/2019</a:t>
+              <a:t>11/21/2019</a:t>
             </a:fld>
             <a:endParaRPr lang="en-US" dirty="0"/>
           </a:p>
@@ -20054,7 +20055,7 @@
             <a:fld id="{90298CD5-6C1E-4009-B41F-6DF62E31D3BE}" type="datetimeFigureOut">
               <a:rPr lang="en-US" dirty="0"/>
               <a:pPr/>
-              <a:t>11/16/2019</a:t>
+              <a:t>11/21/2019</a:t>
             </a:fld>
             <a:endParaRPr lang="en-US" dirty="0"/>
           </a:p>
@@ -20646,6 +20647,116 @@
 </p:sld>
 </file>
 
+<file path=ppt/slides/slide10.xml><?xml version="1.0" encoding="utf-8"?>
+<p:sld xmlns:a="http://schemas.openxmlformats.org/drawingml/2006/main" xmlns:r="http://schemas.openxmlformats.org/officeDocument/2006/relationships" xmlns:p="http://schemas.openxmlformats.org/presentationml/2006/main">
+  <p:cSld>
+    <p:spTree>
+      <p:nvGrpSpPr>
+        <p:cNvPr id="1" name=""/>
+        <p:cNvGrpSpPr/>
+        <p:nvPr/>
+      </p:nvGrpSpPr>
+      <p:grpSpPr>
+        <a:xfrm>
+          <a:off x="0" y="0"/>
+          <a:ext cx="0" cy="0"/>
+          <a:chOff x="0" y="0"/>
+          <a:chExt cx="0" cy="0"/>
+        </a:xfrm>
+      </p:grpSpPr>
+      <p:sp>
+        <p:nvSpPr>
+          <p:cNvPr id="2" name="Title 1">
+            <a:extLst>
+              <a:ext uri="{FF2B5EF4-FFF2-40B4-BE49-F238E27FC236}">
+                <a16:creationId xmlns:a16="http://schemas.microsoft.com/office/drawing/2014/main" id="{6400C60F-EB1A-4B64-91BF-826C9DB6F898}"/>
+              </a:ext>
+            </a:extLst>
+          </p:cNvPr>
+          <p:cNvSpPr>
+            <a:spLocks noGrp="1"/>
+          </p:cNvSpPr>
+          <p:nvPr>
+            <p:ph type="title"/>
+          </p:nvPr>
+        </p:nvSpPr>
+        <p:spPr/>
+        <p:txBody>
+          <a:bodyPr/>
+          <a:lstStyle/>
+          <a:p>
+            <a:r>
+              <a:rPr lang="en-US" dirty="0"/>
+              <a:t>Provision correctly</a:t>
+            </a:r>
+          </a:p>
+        </p:txBody>
+      </p:sp>
+      <p:sp>
+        <p:nvSpPr>
+          <p:cNvPr id="3" name="Content Placeholder 2">
+            <a:extLst>
+              <a:ext uri="{FF2B5EF4-FFF2-40B4-BE49-F238E27FC236}">
+                <a16:creationId xmlns:a16="http://schemas.microsoft.com/office/drawing/2014/main" id="{79AA0E04-2152-4769-AADF-9A3D588321DF}"/>
+              </a:ext>
+            </a:extLst>
+          </p:cNvPr>
+          <p:cNvSpPr>
+            <a:spLocks noGrp="1"/>
+          </p:cNvSpPr>
+          <p:nvPr>
+            <p:ph idx="1"/>
+          </p:nvPr>
+        </p:nvSpPr>
+        <p:spPr/>
+        <p:txBody>
+          <a:bodyPr/>
+          <a:lstStyle/>
+          <a:p>
+            <a:r>
+              <a:rPr lang="en-US" dirty="0"/>
+              <a:t>Use lowest possible RUs settings, 400 for dev and test</a:t>
+            </a:r>
+          </a:p>
+          <a:p>
+            <a:r>
+              <a:rPr lang="en-US" dirty="0"/>
+              <a:t>Use temporary adjustments if needed for load testing. And then set it back</a:t>
+            </a:r>
+          </a:p>
+          <a:p>
+            <a:r>
+              <a:rPr lang="en-US" dirty="0"/>
+              <a:t>Use low-cost regions, not Australia central</a:t>
+            </a:r>
+          </a:p>
+          <a:p>
+            <a:endParaRPr lang="en-US" dirty="0"/>
+          </a:p>
+          <a:p>
+            <a:r>
+              <a:rPr lang="en-US" dirty="0"/>
+              <a:t>Put policies in place if too many contributors.</a:t>
+            </a:r>
+          </a:p>
+          <a:p>
+            <a:endParaRPr lang="en-US" dirty="0"/>
+          </a:p>
+        </p:txBody>
+      </p:sp>
+    </p:spTree>
+    <p:extLst>
+      <p:ext uri="{BB962C8B-B14F-4D97-AF65-F5344CB8AC3E}">
+        <p14:creationId xmlns:p14="http://schemas.microsoft.com/office/powerpoint/2010/main" val="1995692720"/>
+      </p:ext>
+    </p:extLst>
+  </p:cSld>
+  <p:clrMapOvr>
+    <a:masterClrMapping/>
+  </p:clrMapOvr>
+</p:sld>
+</file>
+
 <file path=ppt/slides/slide2.xml><?xml version="1.0" encoding="utf-8"?>
 <p:sld xmlns:a="http://schemas.openxmlformats.org/drawingml/2006/main" xmlns:r="http://schemas.openxmlformats.org/officeDocument/2006/relationships" xmlns:p="http://schemas.openxmlformats.org/presentationml/2006/main">
   <p:cSld>
@@ -20725,7 +20836,7 @@
             </a:pPr>
             <a:r>
               <a:rPr lang="en-US" dirty="0"/>
-              <a:t>Creating one huge document containing mixed data; master, detail, history increases size which adds RUs via cost to inserts, updates, and queries</a:t>
+              <a:t>Creating one huge document containing mixed data; nested detail levels, history increases size which adds RUs via cost to inserts, updates, and queries</a:t>
             </a:r>
           </a:p>
           <a:p>
@@ -20745,7 +20856,7 @@
             </a:pPr>
             <a:r>
               <a:rPr lang="en-US" dirty="0"/>
-              <a:t>More transactional type systems with many updates will suffer if the collection items are too large and infinite updates</a:t>
+              <a:t>More transactional type systems with many updates will suffer if the collection items are too large and large #’s updates</a:t>
             </a:r>
           </a:p>
           <a:p>
@@ -20755,7 +20866,7 @@
             </a:pPr>
             <a:r>
               <a:rPr lang="en-US" dirty="0"/>
-              <a:t>Accepting the default indexing policy of everything adds RUs to cost of write operations. And will lead to using Cross partition queries - searching by fields that span many partitions</a:t>
+              <a:t>Accepting the default indexing policy of everything adds RUs to cost of write operations. Thinking you can query any field as it is indexed leads to Cross partition queries - searching by fields that span many partitions</a:t>
             </a:r>
           </a:p>
           <a:p>
@@ -20844,15 +20955,21 @@
             <p:ph type="title"/>
           </p:nvPr>
         </p:nvSpPr>
-        <p:spPr/>
+        <p:spPr>
+          <a:xfrm>
+            <a:off x="1024128" y="585216"/>
+            <a:ext cx="9720072" cy="1499616"/>
+          </a:xfrm>
+        </p:spPr>
         <p:txBody>
           <a:bodyPr/>
           <a:lstStyle/>
           <a:p>
             <a:r>
-              <a:rPr lang="en-US" dirty="0"/>
+              <a:rPr lang="en-US"/>
               <a:t>Watch document size and operations</a:t>
             </a:r>
+            <a:endParaRPr lang="en-US" dirty="0"/>
           </a:p>
         </p:txBody>
       </p:sp>
@@ -20872,10 +20989,15 @@
             <p:ph idx="1"/>
           </p:nvPr>
         </p:nvSpPr>
-        <p:spPr/>
+        <p:spPr>
+          <a:xfrm>
+            <a:off x="1024128" y="2286000"/>
+            <a:ext cx="9720073" cy="4023360"/>
+          </a:xfrm>
+        </p:spPr>
         <p:txBody>
           <a:bodyPr>
-            <a:normAutofit/>
+            <a:normAutofit fontScale="92500" lnSpcReduction="10000"/>
           </a:bodyPr>
           <a:lstStyle/>
           <a:p>
@@ -20904,7 +21026,7 @@
             </a:pPr>
             <a:r>
               <a:rPr lang="en-US" dirty="0"/>
-              <a:t>Detail</a:t>
+              <a:t>Detail/ Nested Detail</a:t>
             </a:r>
           </a:p>
           <a:p>
@@ -20915,6 +21037,22 @@
             <a:r>
               <a:rPr lang="en-US" dirty="0"/>
               <a:t>Event History</a:t>
+            </a:r>
+          </a:p>
+          <a:p>
+            <a:pPr>
+              <a:buFont typeface="Wingdings" panose="05000000000000000000" pitchFamily="2" charset="2"/>
+              <a:buChar char="v"/>
+            </a:pPr>
+            <a:endParaRPr lang="en-US" dirty="0"/>
+          </a:p>
+          <a:p>
+            <a:pPr marL="0" indent="0">
+              <a:buNone/>
+            </a:pPr>
+            <a:r>
+              <a:rPr lang="en-US" dirty="0"/>
+              <a:t>This can reduce overall RUs, and cut down on 412s</a:t>
             </a:r>
           </a:p>
           <a:p>
@@ -20932,12 +21070,6 @@
             <a:r>
               <a:rPr lang="en-US" dirty="0"/>
               <a:t> ignore on json serializer settings, then any null fields will not take up space in document   e.g. “status” : null</a:t>
-            </a:r>
-          </a:p>
-          <a:p>
-            <a:r>
-              <a:rPr lang="en-US" dirty="0"/>
-              <a:t>This can reduce overall RUs, and cut down on 412s</a:t>
             </a:r>
           </a:p>
         </p:txBody>
@@ -21312,9 +21444,16 @@
             <p:ph idx="1"/>
           </p:nvPr>
         </p:nvSpPr>
-        <p:spPr/>
+        <p:spPr>
+          <a:xfrm>
+            <a:off x="1024128" y="2286000"/>
+            <a:ext cx="9720073" cy="1418253"/>
+          </a:xfrm>
+        </p:spPr>
         <p:txBody>
-          <a:bodyPr/>
+          <a:bodyPr>
+            <a:normAutofit lnSpcReduction="10000"/>
+          </a:bodyPr>
           <a:lstStyle/>
           <a:p>
             <a:r>
@@ -21364,6 +21503,12 @@
             </a:endParaRPr>
           </a:p>
           <a:p>
+            <a:endParaRPr lang="en-US" sz="1600" dirty="0">
+              <a:latin typeface="Verdana" panose="020B0604030504040204" pitchFamily="34" charset="0"/>
+              <a:ea typeface="Verdana" panose="020B0604030504040204" pitchFamily="34" charset="0"/>
+            </a:endParaRPr>
+          </a:p>
+          <a:p>
             <a:endParaRPr lang="en-US" dirty="0"/>
           </a:p>
         </p:txBody>
@@ -21382,6 +21527,101 @@
 </file>
 
 <file path=ppt/slides/slide6.xml><?xml version="1.0" encoding="utf-8"?>
+<p:sld xmlns:a="http://schemas.openxmlformats.org/drawingml/2006/main" xmlns:r="http://schemas.openxmlformats.org/officeDocument/2006/relationships" xmlns:p="http://schemas.openxmlformats.org/presentationml/2006/main">
+  <p:cSld>
+    <p:spTree>
+      <p:nvGrpSpPr>
+        <p:cNvPr id="1" name=""/>
+        <p:cNvGrpSpPr/>
+        <p:nvPr/>
+      </p:nvGrpSpPr>
+      <p:grpSpPr>
+        <a:xfrm>
+          <a:off x="0" y="0"/>
+          <a:ext cx="0" cy="0"/>
+          <a:chOff x="0" y="0"/>
+          <a:chExt cx="0" cy="0"/>
+        </a:xfrm>
+      </p:grpSpPr>
+      <p:sp>
+        <p:nvSpPr>
+          <p:cNvPr id="2" name="Title 1">
+            <a:extLst>
+              <a:ext uri="{FF2B5EF4-FFF2-40B4-BE49-F238E27FC236}">
+                <a16:creationId xmlns:a16="http://schemas.microsoft.com/office/drawing/2014/main" id="{008F7DDE-AD87-4E7F-9E8A-5CEA76C352FF}"/>
+              </a:ext>
+            </a:extLst>
+          </p:cNvPr>
+          <p:cNvSpPr>
+            <a:spLocks noGrp="1"/>
+          </p:cNvSpPr>
+          <p:nvPr>
+            <p:ph type="title"/>
+          </p:nvPr>
+        </p:nvSpPr>
+        <p:spPr/>
+        <p:txBody>
+          <a:bodyPr/>
+          <a:lstStyle/>
+          <a:p>
+            <a:r>
+              <a:rPr lang="en-US" dirty="0"/>
+              <a:t>Cross Index Orders by </a:t>
+            </a:r>
+            <a:r>
+              <a:rPr lang="en-US" dirty="0" err="1"/>
+              <a:t>customerid</a:t>
+            </a:r>
+            <a:endParaRPr lang="en-US" dirty="0"/>
+          </a:p>
+        </p:txBody>
+      </p:sp>
+      <p:pic>
+        <p:nvPicPr>
+          <p:cNvPr id="4" name="Content Placeholder 3">
+            <a:extLst>
+              <a:ext uri="{FF2B5EF4-FFF2-40B4-BE49-F238E27FC236}">
+                <a16:creationId xmlns:a16="http://schemas.microsoft.com/office/drawing/2014/main" id="{0C202016-A776-44A7-8D17-BFDD42C45052}"/>
+              </a:ext>
+            </a:extLst>
+          </p:cNvPr>
+          <p:cNvPicPr>
+            <a:picLocks noGrp="1" noChangeAspect="1"/>
+          </p:cNvPicPr>
+          <p:nvPr>
+            <p:ph idx="1"/>
+          </p:nvPr>
+        </p:nvPicPr>
+        <p:blipFill>
+          <a:blip r:embed="rId2"/>
+          <a:stretch>
+            <a:fillRect/>
+          </a:stretch>
+        </p:blipFill>
+        <p:spPr>
+          <a:xfrm>
+            <a:off x="1633802" y="2286000"/>
+            <a:ext cx="8500534" cy="4022725"/>
+          </a:xfrm>
+          <a:prstGeom prst="rect">
+            <a:avLst/>
+          </a:prstGeom>
+        </p:spPr>
+      </p:pic>
+    </p:spTree>
+    <p:extLst>
+      <p:ext uri="{BB962C8B-B14F-4D97-AF65-F5344CB8AC3E}">
+        <p14:creationId xmlns:p14="http://schemas.microsoft.com/office/powerpoint/2010/main" val="2324114809"/>
+      </p:ext>
+    </p:extLst>
+  </p:cSld>
+  <p:clrMapOvr>
+    <a:masterClrMapping/>
+  </p:clrMapOvr>
+</p:sld>
+</file>
+
+<file path=ppt/slides/slide7.xml><?xml version="1.0" encoding="utf-8"?>
 <p:sld xmlns:a="http://schemas.openxmlformats.org/drawingml/2006/main" xmlns:r="http://schemas.openxmlformats.org/officeDocument/2006/relationships" xmlns:p="http://schemas.openxmlformats.org/presentationml/2006/main">
   <p:cSld>
     <p:spTree>
@@ -21570,7 +21810,7 @@
 </p:sld>
 </file>
 
-<file path=ppt/slides/slide7.xml><?xml version="1.0" encoding="utf-8"?>
+<file path=ppt/slides/slide8.xml><?xml version="1.0" encoding="utf-8"?>
 <p:sld xmlns:a="http://schemas.openxmlformats.org/drawingml/2006/main" xmlns:r="http://schemas.openxmlformats.org/officeDocument/2006/relationships" xmlns:p="http://schemas.openxmlformats.org/presentationml/2006/main">
   <p:cSld>
     <p:spTree>
@@ -21690,7 +21930,7 @@
 </p:sld>
 </file>
 
-<file path=ppt/slides/slide8.xml><?xml version="1.0" encoding="utf-8"?>
+<file path=ppt/slides/slide9.xml><?xml version="1.0" encoding="utf-8"?>
 <p:sld xmlns:a="http://schemas.openxmlformats.org/drawingml/2006/main" xmlns:r="http://schemas.openxmlformats.org/officeDocument/2006/relationships" xmlns:p="http://schemas.openxmlformats.org/presentationml/2006/main">
   <p:cSld>
     <p:spTree>
@@ -21802,116 +22042,6 @@
     <p:extLst>
       <p:ext uri="{BB962C8B-B14F-4D97-AF65-F5344CB8AC3E}">
         <p14:creationId xmlns:p14="http://schemas.microsoft.com/office/powerpoint/2010/main" val="3863686587"/>
-      </p:ext>
-    </p:extLst>
-  </p:cSld>
-  <p:clrMapOvr>
-    <a:masterClrMapping/>
-  </p:clrMapOvr>
-</p:sld>
-</file>
-
-<file path=ppt/slides/slide9.xml><?xml version="1.0" encoding="utf-8"?>
-<p:sld xmlns:a="http://schemas.openxmlformats.org/drawingml/2006/main" xmlns:r="http://schemas.openxmlformats.org/officeDocument/2006/relationships" xmlns:p="http://schemas.openxmlformats.org/presentationml/2006/main">
-  <p:cSld>
-    <p:spTree>
-      <p:nvGrpSpPr>
-        <p:cNvPr id="1" name=""/>
-        <p:cNvGrpSpPr/>
-        <p:nvPr/>
-      </p:nvGrpSpPr>
-      <p:grpSpPr>
-        <a:xfrm>
-          <a:off x="0" y="0"/>
-          <a:ext cx="0" cy="0"/>
-          <a:chOff x="0" y="0"/>
-          <a:chExt cx="0" cy="0"/>
-        </a:xfrm>
-      </p:grpSpPr>
-      <p:sp>
-        <p:nvSpPr>
-          <p:cNvPr id="2" name="Title 1">
-            <a:extLst>
-              <a:ext uri="{FF2B5EF4-FFF2-40B4-BE49-F238E27FC236}">
-                <a16:creationId xmlns:a16="http://schemas.microsoft.com/office/drawing/2014/main" id="{6400C60F-EB1A-4B64-91BF-826C9DB6F898}"/>
-              </a:ext>
-            </a:extLst>
-          </p:cNvPr>
-          <p:cNvSpPr>
-            <a:spLocks noGrp="1"/>
-          </p:cNvSpPr>
-          <p:nvPr>
-            <p:ph type="title"/>
-          </p:nvPr>
-        </p:nvSpPr>
-        <p:spPr/>
-        <p:txBody>
-          <a:bodyPr/>
-          <a:lstStyle/>
-          <a:p>
-            <a:r>
-              <a:rPr lang="en-US" dirty="0"/>
-              <a:t>Provision correctly</a:t>
-            </a:r>
-          </a:p>
-        </p:txBody>
-      </p:sp>
-      <p:sp>
-        <p:nvSpPr>
-          <p:cNvPr id="3" name="Content Placeholder 2">
-            <a:extLst>
-              <a:ext uri="{FF2B5EF4-FFF2-40B4-BE49-F238E27FC236}">
-                <a16:creationId xmlns:a16="http://schemas.microsoft.com/office/drawing/2014/main" id="{79AA0E04-2152-4769-AADF-9A3D588321DF}"/>
-              </a:ext>
-            </a:extLst>
-          </p:cNvPr>
-          <p:cNvSpPr>
-            <a:spLocks noGrp="1"/>
-          </p:cNvSpPr>
-          <p:nvPr>
-            <p:ph idx="1"/>
-          </p:nvPr>
-        </p:nvSpPr>
-        <p:spPr/>
-        <p:txBody>
-          <a:bodyPr/>
-          <a:lstStyle/>
-          <a:p>
-            <a:r>
-              <a:rPr lang="en-US" dirty="0"/>
-              <a:t>Use lowest possible RUs settings, 400 for dev and test</a:t>
-            </a:r>
-          </a:p>
-          <a:p>
-            <a:r>
-              <a:rPr lang="en-US" dirty="0"/>
-              <a:t>Use temporary adjustments if needed for load testing. And then set it back</a:t>
-            </a:r>
-          </a:p>
-          <a:p>
-            <a:r>
-              <a:rPr lang="en-US" dirty="0"/>
-              <a:t>Use low-cost regions, not Australia central</a:t>
-            </a:r>
-          </a:p>
-          <a:p>
-            <a:endParaRPr lang="en-US" dirty="0"/>
-          </a:p>
-          <a:p>
-            <a:r>
-              <a:rPr lang="en-US" dirty="0"/>
-              <a:t>Put policies in place if too many contributors.</a:t>
-            </a:r>
-          </a:p>
-          <a:p>
-            <a:endParaRPr lang="en-US" dirty="0"/>
-          </a:p>
-        </p:txBody>
-      </p:sp>
-    </p:spTree>
-    <p:extLst>
-      <p:ext uri="{BB962C8B-B14F-4D97-AF65-F5344CB8AC3E}">
-        <p14:creationId xmlns:p14="http://schemas.microsoft.com/office/powerpoint/2010/main" val="1995692720"/>
       </p:ext>
     </p:extLst>
   </p:cSld>

--- a/Cosmos Deep Dive.pptx
+++ b/Cosmos Deep Dive.pptx
@@ -8,13 +8,14 @@
     <p:sldId id="256" r:id="rId2"/>
     <p:sldId id="257" r:id="rId3"/>
     <p:sldId id="258" r:id="rId4"/>
-    <p:sldId id="259" r:id="rId5"/>
-    <p:sldId id="260" r:id="rId6"/>
-    <p:sldId id="265" r:id="rId7"/>
-    <p:sldId id="264" r:id="rId8"/>
-    <p:sldId id="261" r:id="rId9"/>
-    <p:sldId id="262" r:id="rId10"/>
-    <p:sldId id="263" r:id="rId11"/>
+    <p:sldId id="266" r:id="rId5"/>
+    <p:sldId id="259" r:id="rId6"/>
+    <p:sldId id="260" r:id="rId7"/>
+    <p:sldId id="265" r:id="rId8"/>
+    <p:sldId id="264" r:id="rId9"/>
+    <p:sldId id="261" r:id="rId10"/>
+    <p:sldId id="262" r:id="rId11"/>
+    <p:sldId id="263" r:id="rId12"/>
   </p:sldIdLst>
   <p:sldSz cx="12192000" cy="6858000"/>
   <p:notesSz cx="6858000" cy="9144000"/>
@@ -20669,6 +20670,127 @@
           <p:cNvPr id="2" name="Title 1">
             <a:extLst>
               <a:ext uri="{FF2B5EF4-FFF2-40B4-BE49-F238E27FC236}">
+                <a16:creationId xmlns:a16="http://schemas.microsoft.com/office/drawing/2014/main" id="{3AC4F3A0-D93C-486E-9BAF-E374F537CE78}"/>
+              </a:ext>
+            </a:extLst>
+          </p:cNvPr>
+          <p:cNvSpPr>
+            <a:spLocks noGrp="1"/>
+          </p:cNvSpPr>
+          <p:nvPr>
+            <p:ph type="title"/>
+          </p:nvPr>
+        </p:nvSpPr>
+        <p:spPr/>
+        <p:txBody>
+          <a:bodyPr/>
+          <a:lstStyle/>
+          <a:p>
+            <a:r>
+              <a:rPr lang="en-US" dirty="0"/>
+              <a:t>Handle errors properly</a:t>
+            </a:r>
+          </a:p>
+        </p:txBody>
+      </p:sp>
+      <p:sp>
+        <p:nvSpPr>
+          <p:cNvPr id="3" name="Content Placeholder 2">
+            <a:extLst>
+              <a:ext uri="{FF2B5EF4-FFF2-40B4-BE49-F238E27FC236}">
+                <a16:creationId xmlns:a16="http://schemas.microsoft.com/office/drawing/2014/main" id="{E2D6D9C0-5DD4-409D-B9A0-CBE9CFE5339E}"/>
+              </a:ext>
+            </a:extLst>
+          </p:cNvPr>
+          <p:cNvSpPr>
+            <a:spLocks noGrp="1"/>
+          </p:cNvSpPr>
+          <p:nvPr>
+            <p:ph idx="1"/>
+          </p:nvPr>
+        </p:nvSpPr>
+        <p:spPr/>
+        <p:txBody>
+          <a:bodyPr/>
+          <a:lstStyle/>
+          <a:p>
+            <a:r>
+              <a:rPr lang="en-US" dirty="0"/>
+              <a:t>Don’t put it back into the queue</a:t>
+            </a:r>
+          </a:p>
+          <a:p>
+            <a:endParaRPr lang="en-US" dirty="0"/>
+          </a:p>
+          <a:p>
+            <a:r>
+              <a:rPr lang="en-US" dirty="0"/>
+              <a:t>429s (Busy) – use </a:t>
+            </a:r>
+            <a:r>
+              <a:rPr lang="en-US" dirty="0" err="1"/>
+              <a:t>retryAfter</a:t>
+            </a:r>
+            <a:r>
+              <a:rPr lang="en-US" dirty="0"/>
+              <a:t> flag</a:t>
+            </a:r>
+          </a:p>
+          <a:p>
+            <a:endParaRPr lang="en-US" dirty="0"/>
+          </a:p>
+          <a:p>
+            <a:r>
+              <a:rPr lang="en-US" dirty="0"/>
+              <a:t>412s (Precondition failed) – Need to reread document and retry</a:t>
+            </a:r>
+          </a:p>
+          <a:p>
+            <a:endParaRPr lang="en-US" dirty="0"/>
+          </a:p>
+          <a:p>
+            <a:r>
+              <a:rPr lang="en-US" dirty="0"/>
+              <a:t>Build 429 retries into cosmos repository base. Build retry for 412s into specific repository implementation</a:t>
+            </a:r>
+          </a:p>
+        </p:txBody>
+      </p:sp>
+    </p:spTree>
+    <p:extLst>
+      <p:ext uri="{BB962C8B-B14F-4D97-AF65-F5344CB8AC3E}">
+        <p14:creationId xmlns:p14="http://schemas.microsoft.com/office/powerpoint/2010/main" val="3863686587"/>
+      </p:ext>
+    </p:extLst>
+  </p:cSld>
+  <p:clrMapOvr>
+    <a:masterClrMapping/>
+  </p:clrMapOvr>
+</p:sld>
+</file>
+
+<file path=ppt/slides/slide11.xml><?xml version="1.0" encoding="utf-8"?>
+<p:sld xmlns:a="http://schemas.openxmlformats.org/drawingml/2006/main" xmlns:r="http://schemas.openxmlformats.org/officeDocument/2006/relationships" xmlns:p="http://schemas.openxmlformats.org/presentationml/2006/main">
+  <p:cSld>
+    <p:spTree>
+      <p:nvGrpSpPr>
+        <p:cNvPr id="1" name=""/>
+        <p:cNvGrpSpPr/>
+        <p:nvPr/>
+      </p:nvGrpSpPr>
+      <p:grpSpPr>
+        <a:xfrm>
+          <a:off x="0" y="0"/>
+          <a:ext cx="0" cy="0"/>
+          <a:chOff x="0" y="0"/>
+          <a:chExt cx="0" cy="0"/>
+        </a:xfrm>
+      </p:grpSpPr>
+      <p:sp>
+        <p:nvSpPr>
+          <p:cNvPr id="2" name="Title 1">
+            <a:extLst>
+              <a:ext uri="{FF2B5EF4-FFF2-40B4-BE49-F238E27FC236}">
                 <a16:creationId xmlns:a16="http://schemas.microsoft.com/office/drawing/2014/main" id="{6400C60F-EB1A-4B64-91BF-826C9DB6F898}"/>
               </a:ext>
             </a:extLst>
@@ -20856,7 +20978,15 @@
             </a:pPr>
             <a:r>
               <a:rPr lang="en-US" dirty="0"/>
-              <a:t>More transactional type systems with many updates will suffer if the collection items are too large and large #’s updates</a:t>
+              <a:t>More transactional type systems with many updates will suffer if the collection items are too large and large #’s updates, so consider hybrid part </a:t>
+            </a:r>
+            <a:r>
+              <a:rPr lang="en-US" dirty="0" err="1"/>
+              <a:t>sql</a:t>
+            </a:r>
+            <a:r>
+              <a:rPr lang="en-US" dirty="0"/>
+              <a:t> server or splitting the document into multiple collections</a:t>
             </a:r>
           </a:p>
           <a:p>
@@ -21088,6 +21218,117 @@
 </file>
 
 <file path=ppt/slides/slide4.xml><?xml version="1.0" encoding="utf-8"?>
+<p:sld xmlns:a="http://schemas.openxmlformats.org/drawingml/2006/main" xmlns:r="http://schemas.openxmlformats.org/officeDocument/2006/relationships" xmlns:p="http://schemas.openxmlformats.org/presentationml/2006/main">
+  <p:cSld>
+    <p:spTree>
+      <p:nvGrpSpPr>
+        <p:cNvPr id="1" name=""/>
+        <p:cNvGrpSpPr/>
+        <p:nvPr/>
+      </p:nvGrpSpPr>
+      <p:grpSpPr>
+        <a:xfrm>
+          <a:off x="0" y="0"/>
+          <a:ext cx="0" cy="0"/>
+          <a:chOff x="0" y="0"/>
+          <a:chExt cx="0" cy="0"/>
+        </a:xfrm>
+      </p:grpSpPr>
+      <p:sp>
+        <p:nvSpPr>
+          <p:cNvPr id="2" name="Title 1">
+            <a:extLst>
+              <a:ext uri="{FF2B5EF4-FFF2-40B4-BE49-F238E27FC236}">
+                <a16:creationId xmlns:a16="http://schemas.microsoft.com/office/drawing/2014/main" id="{2BFF86B3-A865-4625-9ADB-D7B6CEDA68DB}"/>
+              </a:ext>
+            </a:extLst>
+          </p:cNvPr>
+          <p:cNvSpPr>
+            <a:spLocks noGrp="1"/>
+          </p:cNvSpPr>
+          <p:nvPr>
+            <p:ph type="title"/>
+          </p:nvPr>
+        </p:nvSpPr>
+        <p:spPr/>
+        <p:txBody>
+          <a:bodyPr/>
+          <a:lstStyle/>
+          <a:p>
+            <a:r>
+              <a:rPr lang="en-US" dirty="0"/>
+              <a:t>Think about Base costs</a:t>
+            </a:r>
+          </a:p>
+        </p:txBody>
+      </p:sp>
+      <p:sp>
+        <p:nvSpPr>
+          <p:cNvPr id="3" name="Content Placeholder 2">
+            <a:extLst>
+              <a:ext uri="{FF2B5EF4-FFF2-40B4-BE49-F238E27FC236}">
+                <a16:creationId xmlns:a16="http://schemas.microsoft.com/office/drawing/2014/main" id="{651F2B58-7B91-4818-B0FA-BC399D75FBE9}"/>
+              </a:ext>
+            </a:extLst>
+          </p:cNvPr>
+          <p:cNvSpPr>
+            <a:spLocks noGrp="1"/>
+          </p:cNvSpPr>
+          <p:nvPr>
+            <p:ph idx="1"/>
+          </p:nvPr>
+        </p:nvSpPr>
+        <p:spPr/>
+        <p:txBody>
+          <a:bodyPr/>
+          <a:lstStyle/>
+          <a:p>
+            <a:br>
+              <a:rPr lang="en-US" dirty="0"/>
+            </a:br>
+            <a:r>
+              <a:rPr lang="en-US" dirty="0"/>
+              <a:t>Create RUs: 5.71 </a:t>
+            </a:r>
+          </a:p>
+          <a:p>
+            <a:r>
+              <a:rPr lang="en-US" dirty="0"/>
+              <a:t>Read RUs: 1.00 </a:t>
+            </a:r>
+          </a:p>
+          <a:p>
+            <a:r>
+              <a:rPr lang="en-US" b="1" dirty="0"/>
+              <a:t>Update RUs: 10.67 </a:t>
+            </a:r>
+          </a:p>
+          <a:p>
+            <a:r>
+              <a:rPr lang="en-US" dirty="0"/>
+              <a:t>Delete RUs: 5.71</a:t>
+            </a:r>
+            <a:br>
+              <a:rPr lang="en-US" dirty="0"/>
+            </a:br>
+            <a:endParaRPr lang="en-US" dirty="0"/>
+          </a:p>
+        </p:txBody>
+      </p:sp>
+    </p:spTree>
+    <p:extLst>
+      <p:ext uri="{BB962C8B-B14F-4D97-AF65-F5344CB8AC3E}">
+        <p14:creationId xmlns:p14="http://schemas.microsoft.com/office/powerpoint/2010/main" val="3366547550"/>
+      </p:ext>
+    </p:extLst>
+  </p:cSld>
+  <p:clrMapOvr>
+    <a:masterClrMapping/>
+  </p:clrMapOvr>
+</p:sld>
+</file>
+
+<file path=ppt/slides/slide5.xml><?xml version="1.0" encoding="utf-8"?>
 <p:sld xmlns:a="http://schemas.openxmlformats.org/drawingml/2006/main" xmlns:r="http://schemas.openxmlformats.org/officeDocument/2006/relationships" xmlns:p="http://schemas.openxmlformats.org/presentationml/2006/main">
   <p:cSld>
     <p:spTree>
@@ -21383,7 +21624,7 @@
 </p:sld>
 </file>
 
-<file path=ppt/slides/slide5.xml><?xml version="1.0" encoding="utf-8"?>
+<file path=ppt/slides/slide6.xml><?xml version="1.0" encoding="utf-8"?>
 <p:sld xmlns:a="http://schemas.openxmlformats.org/drawingml/2006/main" xmlns:r="http://schemas.openxmlformats.org/officeDocument/2006/relationships" xmlns:p="http://schemas.openxmlformats.org/presentationml/2006/main">
   <p:cSld>
     <p:spTree>
@@ -21526,7 +21767,7 @@
 </p:sld>
 </file>
 
-<file path=ppt/slides/slide6.xml><?xml version="1.0" encoding="utf-8"?>
+<file path=ppt/slides/slide7.xml><?xml version="1.0" encoding="utf-8"?>
 <p:sld xmlns:a="http://schemas.openxmlformats.org/drawingml/2006/main" xmlns:r="http://schemas.openxmlformats.org/officeDocument/2006/relationships" xmlns:p="http://schemas.openxmlformats.org/presentationml/2006/main">
   <p:cSld>
     <p:spTree>
@@ -21621,7 +21862,7 @@
 </p:sld>
 </file>
 
-<file path=ppt/slides/slide7.xml><?xml version="1.0" encoding="utf-8"?>
+<file path=ppt/slides/slide8.xml><?xml version="1.0" encoding="utf-8"?>
 <p:sld xmlns:a="http://schemas.openxmlformats.org/drawingml/2006/main" xmlns:r="http://schemas.openxmlformats.org/officeDocument/2006/relationships" xmlns:p="http://schemas.openxmlformats.org/presentationml/2006/main">
   <p:cSld>
     <p:spTree>
@@ -21810,7 +22051,7 @@
 </p:sld>
 </file>
 
-<file path=ppt/slides/slide8.xml><?xml version="1.0" encoding="utf-8"?>
+<file path=ppt/slides/slide9.xml><?xml version="1.0" encoding="utf-8"?>
 <p:sld xmlns:a="http://schemas.openxmlformats.org/drawingml/2006/main" xmlns:r="http://schemas.openxmlformats.org/officeDocument/2006/relationships" xmlns:p="http://schemas.openxmlformats.org/presentationml/2006/main">
   <p:cSld>
     <p:spTree>
@@ -21921,127 +22162,6 @@
     <p:extLst>
       <p:ext uri="{BB962C8B-B14F-4D97-AF65-F5344CB8AC3E}">
         <p14:creationId xmlns:p14="http://schemas.microsoft.com/office/powerpoint/2010/main" val="1103733632"/>
-      </p:ext>
-    </p:extLst>
-  </p:cSld>
-  <p:clrMapOvr>
-    <a:masterClrMapping/>
-  </p:clrMapOvr>
-</p:sld>
-</file>
-
-<file path=ppt/slides/slide9.xml><?xml version="1.0" encoding="utf-8"?>
-<p:sld xmlns:a="http://schemas.openxmlformats.org/drawingml/2006/main" xmlns:r="http://schemas.openxmlformats.org/officeDocument/2006/relationships" xmlns:p="http://schemas.openxmlformats.org/presentationml/2006/main">
-  <p:cSld>
-    <p:spTree>
-      <p:nvGrpSpPr>
-        <p:cNvPr id="1" name=""/>
-        <p:cNvGrpSpPr/>
-        <p:nvPr/>
-      </p:nvGrpSpPr>
-      <p:grpSpPr>
-        <a:xfrm>
-          <a:off x="0" y="0"/>
-          <a:ext cx="0" cy="0"/>
-          <a:chOff x="0" y="0"/>
-          <a:chExt cx="0" cy="0"/>
-        </a:xfrm>
-      </p:grpSpPr>
-      <p:sp>
-        <p:nvSpPr>
-          <p:cNvPr id="2" name="Title 1">
-            <a:extLst>
-              <a:ext uri="{FF2B5EF4-FFF2-40B4-BE49-F238E27FC236}">
-                <a16:creationId xmlns:a16="http://schemas.microsoft.com/office/drawing/2014/main" id="{3AC4F3A0-D93C-486E-9BAF-E374F537CE78}"/>
-              </a:ext>
-            </a:extLst>
-          </p:cNvPr>
-          <p:cNvSpPr>
-            <a:spLocks noGrp="1"/>
-          </p:cNvSpPr>
-          <p:nvPr>
-            <p:ph type="title"/>
-          </p:nvPr>
-        </p:nvSpPr>
-        <p:spPr/>
-        <p:txBody>
-          <a:bodyPr/>
-          <a:lstStyle/>
-          <a:p>
-            <a:r>
-              <a:rPr lang="en-US" dirty="0"/>
-              <a:t>Handle errors properly</a:t>
-            </a:r>
-          </a:p>
-        </p:txBody>
-      </p:sp>
-      <p:sp>
-        <p:nvSpPr>
-          <p:cNvPr id="3" name="Content Placeholder 2">
-            <a:extLst>
-              <a:ext uri="{FF2B5EF4-FFF2-40B4-BE49-F238E27FC236}">
-                <a16:creationId xmlns:a16="http://schemas.microsoft.com/office/drawing/2014/main" id="{E2D6D9C0-5DD4-409D-B9A0-CBE9CFE5339E}"/>
-              </a:ext>
-            </a:extLst>
-          </p:cNvPr>
-          <p:cNvSpPr>
-            <a:spLocks noGrp="1"/>
-          </p:cNvSpPr>
-          <p:nvPr>
-            <p:ph idx="1"/>
-          </p:nvPr>
-        </p:nvSpPr>
-        <p:spPr/>
-        <p:txBody>
-          <a:bodyPr/>
-          <a:lstStyle/>
-          <a:p>
-            <a:r>
-              <a:rPr lang="en-US" dirty="0"/>
-              <a:t>Don’t put it back into the queue</a:t>
-            </a:r>
-          </a:p>
-          <a:p>
-            <a:endParaRPr lang="en-US" dirty="0"/>
-          </a:p>
-          <a:p>
-            <a:r>
-              <a:rPr lang="en-US" dirty="0"/>
-              <a:t>429s (Busy) – use </a:t>
-            </a:r>
-            <a:r>
-              <a:rPr lang="en-US" dirty="0" err="1"/>
-              <a:t>retryAfter</a:t>
-            </a:r>
-            <a:r>
-              <a:rPr lang="en-US" dirty="0"/>
-              <a:t> flag</a:t>
-            </a:r>
-          </a:p>
-          <a:p>
-            <a:endParaRPr lang="en-US" dirty="0"/>
-          </a:p>
-          <a:p>
-            <a:r>
-              <a:rPr lang="en-US" dirty="0"/>
-              <a:t>412s (Precondition failed) – Need to reread document and retry</a:t>
-            </a:r>
-          </a:p>
-          <a:p>
-            <a:endParaRPr lang="en-US" dirty="0"/>
-          </a:p>
-          <a:p>
-            <a:r>
-              <a:rPr lang="en-US" dirty="0"/>
-              <a:t>Build 429 retries into cosmos repository base. Build retry for 412s into specific repository implementation</a:t>
-            </a:r>
-          </a:p>
-        </p:txBody>
-      </p:sp>
-    </p:spTree>
-    <p:extLst>
-      <p:ext uri="{BB962C8B-B14F-4D97-AF65-F5344CB8AC3E}">
-        <p14:creationId xmlns:p14="http://schemas.microsoft.com/office/powerpoint/2010/main" val="3863686587"/>
       </p:ext>
     </p:extLst>
   </p:cSld>

--- a/Cosmos Deep Dive.pptx
+++ b/Cosmos Deep Dive.pptx
@@ -7,8 +7,8 @@
   <p:sldIdLst>
     <p:sldId id="256" r:id="rId2"/>
     <p:sldId id="257" r:id="rId3"/>
-    <p:sldId id="258" r:id="rId4"/>
-    <p:sldId id="266" r:id="rId5"/>
+    <p:sldId id="266" r:id="rId4"/>
+    <p:sldId id="258" r:id="rId5"/>
     <p:sldId id="259" r:id="rId6"/>
     <p:sldId id="260" r:id="rId7"/>
     <p:sldId id="265" r:id="rId8"/>
@@ -20607,7 +20607,9 @@
         </p:nvSpPr>
         <p:spPr/>
         <p:txBody>
-          <a:bodyPr/>
+          <a:bodyPr>
+            <a:normAutofit lnSpcReduction="10000"/>
+          </a:bodyPr>
           <a:lstStyle/>
           <a:p>
             <a:r>
@@ -20620,6 +20622,21 @@
               <a:rPr lang="en-US" dirty="0"/>
               <a:t>Mary A Clark</a:t>
             </a:r>
+          </a:p>
+          <a:p>
+            <a:r>
+              <a:rPr lang="en-US" dirty="0" err="1"/>
+              <a:t>maryfromcolorado</a:t>
+            </a:r>
+            <a:r>
+              <a:rPr lang="en-US" err="1"/>
+              <a:t>@</a:t>
+            </a:r>
+            <a:r>
+              <a:rPr lang="en-US"/>
+              <a:t>gmail.com</a:t>
+            </a:r>
+            <a:endParaRPr lang="en-US" dirty="0"/>
           </a:p>
           <a:p>
             <a:r>
@@ -21074,6 +21091,117 @@
           <p:cNvPr id="2" name="Title 1">
             <a:extLst>
               <a:ext uri="{FF2B5EF4-FFF2-40B4-BE49-F238E27FC236}">
+                <a16:creationId xmlns:a16="http://schemas.microsoft.com/office/drawing/2014/main" id="{2BFF86B3-A865-4625-9ADB-D7B6CEDA68DB}"/>
+              </a:ext>
+            </a:extLst>
+          </p:cNvPr>
+          <p:cNvSpPr>
+            <a:spLocks noGrp="1"/>
+          </p:cNvSpPr>
+          <p:nvPr>
+            <p:ph type="title"/>
+          </p:nvPr>
+        </p:nvSpPr>
+        <p:spPr/>
+        <p:txBody>
+          <a:bodyPr/>
+          <a:lstStyle/>
+          <a:p>
+            <a:r>
+              <a:rPr lang="en-US" dirty="0"/>
+              <a:t>Think about Base costs</a:t>
+            </a:r>
+          </a:p>
+        </p:txBody>
+      </p:sp>
+      <p:sp>
+        <p:nvSpPr>
+          <p:cNvPr id="3" name="Content Placeholder 2">
+            <a:extLst>
+              <a:ext uri="{FF2B5EF4-FFF2-40B4-BE49-F238E27FC236}">
+                <a16:creationId xmlns:a16="http://schemas.microsoft.com/office/drawing/2014/main" id="{651F2B58-7B91-4818-B0FA-BC399D75FBE9}"/>
+              </a:ext>
+            </a:extLst>
+          </p:cNvPr>
+          <p:cNvSpPr>
+            <a:spLocks noGrp="1"/>
+          </p:cNvSpPr>
+          <p:nvPr>
+            <p:ph idx="1"/>
+          </p:nvPr>
+        </p:nvSpPr>
+        <p:spPr/>
+        <p:txBody>
+          <a:bodyPr/>
+          <a:lstStyle/>
+          <a:p>
+            <a:br>
+              <a:rPr lang="en-US" dirty="0"/>
+            </a:br>
+            <a:r>
+              <a:rPr lang="en-US" dirty="0"/>
+              <a:t>Create RUs: 5.71 </a:t>
+            </a:r>
+          </a:p>
+          <a:p>
+            <a:r>
+              <a:rPr lang="en-US" dirty="0"/>
+              <a:t>Read RUs: 1.00 </a:t>
+            </a:r>
+          </a:p>
+          <a:p>
+            <a:r>
+              <a:rPr lang="en-US" b="1" dirty="0"/>
+              <a:t>Update RUs: 10.67 </a:t>
+            </a:r>
+          </a:p>
+          <a:p>
+            <a:r>
+              <a:rPr lang="en-US" dirty="0"/>
+              <a:t>Delete RUs: 5.71</a:t>
+            </a:r>
+            <a:br>
+              <a:rPr lang="en-US" dirty="0"/>
+            </a:br>
+            <a:endParaRPr lang="en-US" dirty="0"/>
+          </a:p>
+        </p:txBody>
+      </p:sp>
+    </p:spTree>
+    <p:extLst>
+      <p:ext uri="{BB962C8B-B14F-4D97-AF65-F5344CB8AC3E}">
+        <p14:creationId xmlns:p14="http://schemas.microsoft.com/office/powerpoint/2010/main" val="3366547550"/>
+      </p:ext>
+    </p:extLst>
+  </p:cSld>
+  <p:clrMapOvr>
+    <a:masterClrMapping/>
+  </p:clrMapOvr>
+</p:sld>
+</file>
+
+<file path=ppt/slides/slide4.xml><?xml version="1.0" encoding="utf-8"?>
+<p:sld xmlns:a="http://schemas.openxmlformats.org/drawingml/2006/main" xmlns:r="http://schemas.openxmlformats.org/officeDocument/2006/relationships" xmlns:p="http://schemas.openxmlformats.org/presentationml/2006/main">
+  <p:cSld>
+    <p:spTree>
+      <p:nvGrpSpPr>
+        <p:cNvPr id="1" name=""/>
+        <p:cNvGrpSpPr/>
+        <p:nvPr/>
+      </p:nvGrpSpPr>
+      <p:grpSpPr>
+        <a:xfrm>
+          <a:off x="0" y="0"/>
+          <a:ext cx="0" cy="0"/>
+          <a:chOff x="0" y="0"/>
+          <a:chExt cx="0" cy="0"/>
+        </a:xfrm>
+      </p:grpSpPr>
+      <p:sp>
+        <p:nvSpPr>
+          <p:cNvPr id="2" name="Title 1">
+            <a:extLst>
+              <a:ext uri="{FF2B5EF4-FFF2-40B4-BE49-F238E27FC236}">
                 <a16:creationId xmlns:a16="http://schemas.microsoft.com/office/drawing/2014/main" id="{61127C29-D02D-424C-9DA1-67D3203E6CD7}"/>
               </a:ext>
             </a:extLst>
@@ -21208,117 +21336,6 @@
     <p:extLst>
       <p:ext uri="{BB962C8B-B14F-4D97-AF65-F5344CB8AC3E}">
         <p14:creationId xmlns:p14="http://schemas.microsoft.com/office/powerpoint/2010/main" val="886479652"/>
-      </p:ext>
-    </p:extLst>
-  </p:cSld>
-  <p:clrMapOvr>
-    <a:masterClrMapping/>
-  </p:clrMapOvr>
-</p:sld>
-</file>
-
-<file path=ppt/slides/slide4.xml><?xml version="1.0" encoding="utf-8"?>
-<p:sld xmlns:a="http://schemas.openxmlformats.org/drawingml/2006/main" xmlns:r="http://schemas.openxmlformats.org/officeDocument/2006/relationships" xmlns:p="http://schemas.openxmlformats.org/presentationml/2006/main">
-  <p:cSld>
-    <p:spTree>
-      <p:nvGrpSpPr>
-        <p:cNvPr id="1" name=""/>
-        <p:cNvGrpSpPr/>
-        <p:nvPr/>
-      </p:nvGrpSpPr>
-      <p:grpSpPr>
-        <a:xfrm>
-          <a:off x="0" y="0"/>
-          <a:ext cx="0" cy="0"/>
-          <a:chOff x="0" y="0"/>
-          <a:chExt cx="0" cy="0"/>
-        </a:xfrm>
-      </p:grpSpPr>
-      <p:sp>
-        <p:nvSpPr>
-          <p:cNvPr id="2" name="Title 1">
-            <a:extLst>
-              <a:ext uri="{FF2B5EF4-FFF2-40B4-BE49-F238E27FC236}">
-                <a16:creationId xmlns:a16="http://schemas.microsoft.com/office/drawing/2014/main" id="{2BFF86B3-A865-4625-9ADB-D7B6CEDA68DB}"/>
-              </a:ext>
-            </a:extLst>
-          </p:cNvPr>
-          <p:cNvSpPr>
-            <a:spLocks noGrp="1"/>
-          </p:cNvSpPr>
-          <p:nvPr>
-            <p:ph type="title"/>
-          </p:nvPr>
-        </p:nvSpPr>
-        <p:spPr/>
-        <p:txBody>
-          <a:bodyPr/>
-          <a:lstStyle/>
-          <a:p>
-            <a:r>
-              <a:rPr lang="en-US" dirty="0"/>
-              <a:t>Think about Base costs</a:t>
-            </a:r>
-          </a:p>
-        </p:txBody>
-      </p:sp>
-      <p:sp>
-        <p:nvSpPr>
-          <p:cNvPr id="3" name="Content Placeholder 2">
-            <a:extLst>
-              <a:ext uri="{FF2B5EF4-FFF2-40B4-BE49-F238E27FC236}">
-                <a16:creationId xmlns:a16="http://schemas.microsoft.com/office/drawing/2014/main" id="{651F2B58-7B91-4818-B0FA-BC399D75FBE9}"/>
-              </a:ext>
-            </a:extLst>
-          </p:cNvPr>
-          <p:cNvSpPr>
-            <a:spLocks noGrp="1"/>
-          </p:cNvSpPr>
-          <p:nvPr>
-            <p:ph idx="1"/>
-          </p:nvPr>
-        </p:nvSpPr>
-        <p:spPr/>
-        <p:txBody>
-          <a:bodyPr/>
-          <a:lstStyle/>
-          <a:p>
-            <a:br>
-              <a:rPr lang="en-US" dirty="0"/>
-            </a:br>
-            <a:r>
-              <a:rPr lang="en-US" dirty="0"/>
-              <a:t>Create RUs: 5.71 </a:t>
-            </a:r>
-          </a:p>
-          <a:p>
-            <a:r>
-              <a:rPr lang="en-US" dirty="0"/>
-              <a:t>Read RUs: 1.00 </a:t>
-            </a:r>
-          </a:p>
-          <a:p>
-            <a:r>
-              <a:rPr lang="en-US" b="1" dirty="0"/>
-              <a:t>Update RUs: 10.67 </a:t>
-            </a:r>
-          </a:p>
-          <a:p>
-            <a:r>
-              <a:rPr lang="en-US" dirty="0"/>
-              <a:t>Delete RUs: 5.71</a:t>
-            </a:r>
-            <a:br>
-              <a:rPr lang="en-US" dirty="0"/>
-            </a:br>
-            <a:endParaRPr lang="en-US" dirty="0"/>
-          </a:p>
-        </p:txBody>
-      </p:sp>
-    </p:spTree>
-    <p:extLst>
-      <p:ext uri="{BB962C8B-B14F-4D97-AF65-F5344CB8AC3E}">
-        <p14:creationId xmlns:p14="http://schemas.microsoft.com/office/powerpoint/2010/main" val="3366547550"/>
       </p:ext>
     </p:extLst>
   </p:cSld>
